--- a/컬렉션 프레임워크.pptx
+++ b/컬렉션 프레임워크.pptx
@@ -316,7 +316,7 @@
           <a:p>
             <a:fld id="{28C1F0A9-1F99-411A-95D3-5A98BF3EDA74}" type="datetimeFigureOut">
               <a:rPr lang="ko-KR" altLang="en-US" smtClean="0"/>
-              <a:t>2020-07-17</a:t>
+              <a:t>2020-07-20</a:t>
             </a:fld>
             <a:endParaRPr lang="ko-KR" altLang="en-US"/>
           </a:p>
@@ -486,7 +486,7 @@
           <a:p>
             <a:fld id="{28C1F0A9-1F99-411A-95D3-5A98BF3EDA74}" type="datetimeFigureOut">
               <a:rPr lang="ko-KR" altLang="en-US" smtClean="0"/>
-              <a:t>2020-07-17</a:t>
+              <a:t>2020-07-20</a:t>
             </a:fld>
             <a:endParaRPr lang="ko-KR" altLang="en-US"/>
           </a:p>
@@ -666,7 +666,7 @@
           <a:p>
             <a:fld id="{28C1F0A9-1F99-411A-95D3-5A98BF3EDA74}" type="datetimeFigureOut">
               <a:rPr lang="ko-KR" altLang="en-US" smtClean="0"/>
-              <a:t>2020-07-17</a:t>
+              <a:t>2020-07-20</a:t>
             </a:fld>
             <a:endParaRPr lang="ko-KR" altLang="en-US"/>
           </a:p>
@@ -836,7 +836,7 @@
           <a:p>
             <a:fld id="{28C1F0A9-1F99-411A-95D3-5A98BF3EDA74}" type="datetimeFigureOut">
               <a:rPr lang="ko-KR" altLang="en-US" smtClean="0"/>
-              <a:t>2020-07-17</a:t>
+              <a:t>2020-07-20</a:t>
             </a:fld>
             <a:endParaRPr lang="ko-KR" altLang="en-US"/>
           </a:p>
@@ -1082,7 +1082,7 @@
           <a:p>
             <a:fld id="{28C1F0A9-1F99-411A-95D3-5A98BF3EDA74}" type="datetimeFigureOut">
               <a:rPr lang="ko-KR" altLang="en-US" smtClean="0"/>
-              <a:t>2020-07-17</a:t>
+              <a:t>2020-07-20</a:t>
             </a:fld>
             <a:endParaRPr lang="ko-KR" altLang="en-US"/>
           </a:p>
@@ -1370,7 +1370,7 @@
           <a:p>
             <a:fld id="{28C1F0A9-1F99-411A-95D3-5A98BF3EDA74}" type="datetimeFigureOut">
               <a:rPr lang="ko-KR" altLang="en-US" smtClean="0"/>
-              <a:t>2020-07-17</a:t>
+              <a:t>2020-07-20</a:t>
             </a:fld>
             <a:endParaRPr lang="ko-KR" altLang="en-US"/>
           </a:p>
@@ -1792,7 +1792,7 @@
           <a:p>
             <a:fld id="{28C1F0A9-1F99-411A-95D3-5A98BF3EDA74}" type="datetimeFigureOut">
               <a:rPr lang="ko-KR" altLang="en-US" smtClean="0"/>
-              <a:t>2020-07-17</a:t>
+              <a:t>2020-07-20</a:t>
             </a:fld>
             <a:endParaRPr lang="ko-KR" altLang="en-US"/>
           </a:p>
@@ -1910,7 +1910,7 @@
           <a:p>
             <a:fld id="{28C1F0A9-1F99-411A-95D3-5A98BF3EDA74}" type="datetimeFigureOut">
               <a:rPr lang="ko-KR" altLang="en-US" smtClean="0"/>
-              <a:t>2020-07-17</a:t>
+              <a:t>2020-07-20</a:t>
             </a:fld>
             <a:endParaRPr lang="ko-KR" altLang="en-US"/>
           </a:p>
@@ -2005,7 +2005,7 @@
           <a:p>
             <a:fld id="{28C1F0A9-1F99-411A-95D3-5A98BF3EDA74}" type="datetimeFigureOut">
               <a:rPr lang="ko-KR" altLang="en-US" smtClean="0"/>
-              <a:t>2020-07-17</a:t>
+              <a:t>2020-07-20</a:t>
             </a:fld>
             <a:endParaRPr lang="ko-KR" altLang="en-US"/>
           </a:p>
@@ -2282,7 +2282,7 @@
           <a:p>
             <a:fld id="{28C1F0A9-1F99-411A-95D3-5A98BF3EDA74}" type="datetimeFigureOut">
               <a:rPr lang="ko-KR" altLang="en-US" smtClean="0"/>
-              <a:t>2020-07-17</a:t>
+              <a:t>2020-07-20</a:t>
             </a:fld>
             <a:endParaRPr lang="ko-KR" altLang="en-US"/>
           </a:p>
@@ -2535,7 +2535,7 @@
           <a:p>
             <a:fld id="{28C1F0A9-1F99-411A-95D3-5A98BF3EDA74}" type="datetimeFigureOut">
               <a:rPr lang="ko-KR" altLang="en-US" smtClean="0"/>
-              <a:t>2020-07-17</a:t>
+              <a:t>2020-07-20</a:t>
             </a:fld>
             <a:endParaRPr lang="ko-KR" altLang="en-US"/>
           </a:p>
@@ -2748,7 +2748,7 @@
           <a:p>
             <a:fld id="{28C1F0A9-1F99-411A-95D3-5A98BF3EDA74}" type="datetimeFigureOut">
               <a:rPr lang="ko-KR" altLang="en-US" smtClean="0"/>
-              <a:t>2020-07-17</a:t>
+              <a:t>2020-07-20</a:t>
             </a:fld>
             <a:endParaRPr lang="ko-KR" altLang="en-US"/>
           </a:p>
@@ -3765,7 +3765,11 @@
             </a:r>
             <a:r>
               <a:rPr lang="ko-KR" altLang="en-US" sz="2400" dirty="0" smtClean="0"/>
-              <a:t>요소의 저장 순서를 유지</a:t>
+              <a:t>요소의 저장 순서를 </a:t>
+            </a:r>
+            <a:r>
+              <a:rPr lang="ko-KR" altLang="en-US" sz="2400" dirty="0" err="1" smtClean="0"/>
+              <a:t>유지안함</a:t>
             </a:r>
             <a:endParaRPr lang="en-US" altLang="ko-KR" sz="2400" dirty="0" smtClean="0"/>
           </a:p>
